--- a/voltaire/design-doc/StoryBoard.pptx
+++ b/voltaire/design-doc/StoryBoard.pptx
@@ -257,7 +257,7 @@
       </p15:sldGuideLst>
     </p:ext>
     <p:ext uri="http://customooxmlschemas.google.com/">
-      <go:slidesCustomData xmlns:go="http://customooxmlschemas.google.com/" xmlns:ahyp="http://schemas.microsoft.com/office/drawing/2018/hyperlinkcolor" xmlns:p15="http://schemas.microsoft.com/office/powerpoint/2012/main" xmlns:p14="http://schemas.microsoft.com/office/powerpoint/2010/main" xmlns:com="http://schemas.openxmlformats.org/drawingml/2006/compatibility" xmlns:pvml="urn:schemas-microsoft-com:office:powerpoint" xmlns:v="urn:schemas-microsoft-com:vml" xmlns:o="urn:schemas-microsoft-com:office:office" xmlns:dgm="http://schemas.openxmlformats.org/drawingml/2006/diagram" xmlns:c="http://schemas.openxmlformats.org/drawingml/2006/chart" xmlns:mv="urn:schemas-microsoft-com:mac:vml" xmlns:mc="http://schemas.openxmlformats.org/markup-compatibility/2006" xmlns="" r:id="rId39" roundtripDataSignature="AMtx7mjtJDQOM+AGLpLmmku5xPGmS/48KQ=="/>
+      <go:slidesCustomData xmlns="" xmlns:mc="http://schemas.openxmlformats.org/markup-compatibility/2006" xmlns:mv="urn:schemas-microsoft-com:mac:vml" xmlns:c="http://schemas.openxmlformats.org/drawingml/2006/chart" xmlns:dgm="http://schemas.openxmlformats.org/drawingml/2006/diagram" xmlns:o="urn:schemas-microsoft-com:office:office" xmlns:v="urn:schemas-microsoft-com:vml" xmlns:pvml="urn:schemas-microsoft-com:office:powerpoint" xmlns:com="http://schemas.openxmlformats.org/drawingml/2006/compatibility" xmlns:p14="http://schemas.microsoft.com/office/powerpoint/2010/main" xmlns:p15="http://schemas.microsoft.com/office/powerpoint/2012/main" xmlns:ahyp="http://schemas.microsoft.com/office/drawing/2018/hyperlinkcolor" xmlns:go="http://customooxmlschemas.google.com/" r:id="rId39" roundtripDataSignature="AMtx7mjtJDQOM+AGLpLmmku5xPGmS/48KQ=="/>
     </p:ext>
   </p:extLst>
 </p:presentation>
@@ -8061,7 +8061,7 @@
         </p:nvCxnSpPr>
         <p:spPr>
           <a:xfrm>
-            <a:off x="7022173" y="1029389"/>
+            <a:off x="6971332" y="1029389"/>
             <a:ext cx="0" cy="1973700"/>
           </a:xfrm>
           <a:prstGeom prst="straightConnector1">
@@ -8116,7 +8116,7 @@
                 <a:sym typeface="Calibri"/>
                 <a:extLst>
                   <a:ext uri="http://customooxmlschemas.google.com/">
-                    <go:slidesCustomData xmlns:go="http://customooxmlschemas.google.com/" xmlns:ahyp="http://schemas.microsoft.com/office/drawing/2018/hyperlinkcolor" xmlns:p15="http://schemas.microsoft.com/office/powerpoint/2012/main" xmlns:p14="http://schemas.microsoft.com/office/powerpoint/2010/main" xmlns:com="http://schemas.openxmlformats.org/drawingml/2006/compatibility" xmlns:pvml="urn:schemas-microsoft-com:office:powerpoint" xmlns:v="urn:schemas-microsoft-com:vml" xmlns:o="urn:schemas-microsoft-com:office:office" xmlns:dgm="http://schemas.openxmlformats.org/drawingml/2006/diagram" xmlns:c="http://schemas.openxmlformats.org/drawingml/2006/chart" xmlns:mv="urn:schemas-microsoft-com:mac:vml" xmlns:mc="http://schemas.openxmlformats.org/markup-compatibility/2006" xmlns="" textRoundtripDataId="0"/>
+                    <go:slidesCustomData xmlns="" xmlns:mc="http://schemas.openxmlformats.org/markup-compatibility/2006" xmlns:mv="urn:schemas-microsoft-com:mac:vml" xmlns:c="http://schemas.openxmlformats.org/drawingml/2006/chart" xmlns:dgm="http://schemas.openxmlformats.org/drawingml/2006/diagram" xmlns:o="urn:schemas-microsoft-com:office:office" xmlns:v="urn:schemas-microsoft-com:vml" xmlns:pvml="urn:schemas-microsoft-com:office:powerpoint" xmlns:com="http://schemas.openxmlformats.org/drawingml/2006/compatibility" xmlns:p14="http://schemas.microsoft.com/office/powerpoint/2010/main" xmlns:p15="http://schemas.microsoft.com/office/powerpoint/2012/main" xmlns:ahyp="http://schemas.microsoft.com/office/drawing/2018/hyperlinkcolor" xmlns:go="http://customooxmlschemas.google.com/" textRoundtripDataId="0"/>
                   </a:ext>
                 </a:extLst>
               </a:rPr>
@@ -8609,6 +8609,41 @@
               <a:t>Proposal</a:t>
             </a:r>
             <a:endParaRPr sz="1100" dirty="0"/>
+          </a:p>
+        </p:txBody>
+      </p:sp>
+      <p:sp>
+        <p:nvSpPr>
+          <p:cNvPr id="2" name="TextBox 1">
+            <a:extLst>
+              <a:ext uri="{FF2B5EF4-FFF2-40B4-BE49-F238E27FC236}">
+                <a16:creationId xmlns:a16="http://schemas.microsoft.com/office/drawing/2014/main" id="{37C71D87-A36A-594A-A7F9-64F1BFBC0500}"/>
+              </a:ext>
+            </a:extLst>
+          </p:cNvPr>
+          <p:cNvSpPr txBox="1"/>
+          <p:nvPr/>
+        </p:nvSpPr>
+        <p:spPr>
+          <a:xfrm>
+            <a:off x="6222569" y="669463"/>
+            <a:ext cx="1497526" cy="307777"/>
+          </a:xfrm>
+          <a:prstGeom prst="rect">
+            <a:avLst/>
+          </a:prstGeom>
+          <a:noFill/>
+        </p:spPr>
+        <p:txBody>
+          <a:bodyPr wrap="none" rtlCol="0">
+            <a:spAutoFit/>
+          </a:bodyPr>
+          <a:lstStyle/>
+          <a:p>
+            <a:r>
+              <a:rPr lang="en-US" dirty="0"/>
+              <a:t>Formal Proposal</a:t>
+            </a:r>
           </a:p>
         </p:txBody>
       </p:sp>
